--- a/Slides/ggl003-Assimp.pptx
+++ b/Slides/ggl003-Assimp.pptx
@@ -226,7 +226,7 @@
             <a:fld id="{C0D025BB-35D5-419D-8ED2-E5EDB67F143A}" type="datetimeFigureOut">
               <a:rPr lang="en-US" smtClean="0"/>
               <a:pPr/>
-              <a:t>8/12/2019</a:t>
+              <a:t>8/13/2019</a:t>
             </a:fld>
             <a:endParaRPr lang="en-US"/>
           </a:p>
@@ -8721,7 +8721,7 @@
             </a:r>
             <a:r>
               <a:rPr lang="en-US" dirty="0"/>
-              <a:t> ggl002-Assimp / Debug | x64 </a:t>
+              <a:t> ggl003-Assimp / Debug | x64 </a:t>
             </a:r>
             <a:r>
               <a:rPr lang="en-US" dirty="0" err="1"/>
@@ -9061,7 +9061,7 @@
             </a:r>
             <a:r>
               <a:rPr lang="en-US" dirty="0"/>
-              <a:t> a ggl002-Assimp </a:t>
+              <a:t> a ggl003-Assimp </a:t>
             </a:r>
             <a:r>
               <a:rPr lang="en-US" dirty="0" err="1"/>
@@ -9905,7 +9905,7 @@
             </a:r>
             <a:r>
               <a:rPr lang="en-US" dirty="0"/>
-              <a:t> (ggl002App::Update </a:t>
+              <a:t> (ggl003App::Update </a:t>
             </a:r>
             <a:r>
               <a:rPr lang="en-US" dirty="0" err="1"/>
@@ -9979,7 +9979,7 @@
             </a:pPr>
             <a:r>
               <a:rPr lang="en-US" dirty="0"/>
-              <a:t>A ggl002App::</a:t>
+              <a:t>A ggl003App::</a:t>
             </a:r>
             <a:r>
               <a:rPr lang="en-US" dirty="0" err="1"/>
@@ -15799,7 +15799,7 @@
             <a:fld id="{77DAEA1A-6276-4434-840E-9C81C04BC3C1}" type="datetimeFigureOut">
               <a:rPr lang="en-US" smtClean="0"/>
               <a:pPr/>
-              <a:t>8/12/2019</a:t>
+              <a:t>8/13/2019</a:t>
             </a:fld>
             <a:endParaRPr lang="en-US"/>
           </a:p>
@@ -16192,12 +16192,12 @@
               <a:rPr lang="hu-HU" dirty="0"/>
             </a:br>
             <a:r>
-              <a:rPr lang="hu-HU" dirty="0" err="1"/>
+              <a:rPr lang="hu-HU" dirty="0"/>
               <a:t>gg</a:t>
             </a:r>
             <a:r>
               <a:rPr lang="en-US" dirty="0"/>
-              <a:t>l002-Assimp</a:t>
+              <a:t>l003-Assimp</a:t>
             </a:r>
           </a:p>
         </p:txBody>
@@ -16385,8 +16385,12 @@
           <a:lstStyle/>
           <a:p>
             <a:r>
+              <a:rPr lang="en-US" sz="4000"/>
+              <a:t>ggl003App</a:t>
+            </a:r>
+            <a:r>
               <a:rPr lang="en-US" sz="4000" dirty="0"/>
-              <a:t>ggl002App.h – </a:t>
+              <a:t>.h – </a:t>
             </a:r>
             <a:r>
               <a:rPr lang="en-US" sz="4000" dirty="0" err="1"/>
@@ -19915,7 +19919,7 @@
           <a:p>
             <a:r>
               <a:rPr lang="en-US" dirty="0"/>
-              <a:t>ggl002-Assimp</a:t>
+              <a:t>ggl003-Assimp</a:t>
             </a:r>
             <a:endParaRPr lang="hu-HU" dirty="0"/>
           </a:p>

--- a/Slides/ggl003-Assimp.pptx
+++ b/Slides/ggl003-Assimp.pptx
@@ -6082,6 +6082,165 @@
           <a:p>
             <a:r>
               <a:rPr lang="en-US" dirty="0"/>
+              <a:t>Property Manager </a:t>
+            </a:r>
+            <a:r>
+              <a:rPr lang="en-US" dirty="0" err="1"/>
+              <a:t>emlékeztető</a:t>
+            </a:r>
+            <a:r>
+              <a:rPr lang="en-US" dirty="0"/>
+              <a:t>:</a:t>
+            </a:r>
+            <a:br>
+              <a:rPr lang="en-US" dirty="0"/>
+            </a:br>
+            <a:r>
+              <a:rPr lang="en-US" dirty="0"/>
+              <a:t>VS2017: View &gt; Property Manager</a:t>
+            </a:r>
+          </a:p>
+          <a:p>
+            <a:r>
+              <a:rPr lang="en-US" dirty="0"/>
+              <a:t>VS2019: View &gt; Other Windows &gt; Property Manager</a:t>
+            </a:r>
+          </a:p>
+          <a:p>
+            <a:endParaRPr lang="en-US" dirty="0"/>
+          </a:p>
+          <a:p>
+            <a:r>
+              <a:rPr lang="en-US" dirty="0"/>
+              <a:t>Property </a:t>
+            </a:r>
+            <a:r>
+              <a:rPr lang="en-US" dirty="0" err="1"/>
+              <a:t>manageren</a:t>
+            </a:r>
+            <a:r>
+              <a:rPr lang="en-US" dirty="0"/>
+              <a:t> </a:t>
+            </a:r>
+            <a:r>
+              <a:rPr lang="en-US" dirty="0" err="1"/>
+              <a:t>belül</a:t>
+            </a:r>
+            <a:r>
+              <a:rPr lang="en-US" dirty="0"/>
+              <a:t>:</a:t>
+            </a:r>
+          </a:p>
+          <a:p>
+            <a:r>
+              <a:rPr lang="en-US" dirty="0"/>
+              <a:t>Egg &gt; Debug | x64 &gt; </a:t>
+            </a:r>
+            <a:r>
+              <a:rPr lang="en-US" dirty="0" err="1"/>
+              <a:t>EggLib</a:t>
+            </a:r>
+            <a:r>
+              <a:rPr lang="en-US" dirty="0"/>
+              <a:t> (</a:t>
+            </a:r>
+            <a:r>
+              <a:rPr lang="en-US" dirty="0" err="1"/>
+              <a:t>jobb</a:t>
+            </a:r>
+            <a:r>
+              <a:rPr lang="en-US" dirty="0"/>
+              <a:t> </a:t>
+            </a:r>
+            <a:r>
+              <a:rPr lang="en-US" dirty="0" err="1"/>
+              <a:t>katt</a:t>
+            </a:r>
+            <a:r>
+              <a:rPr lang="en-US" dirty="0"/>
+              <a:t>) &gt; Properties</a:t>
+            </a:r>
+          </a:p>
+          <a:p>
+            <a:endParaRPr lang="en-US" dirty="0"/>
+          </a:p>
+          <a:p>
+            <a:r>
+              <a:rPr lang="en-US" dirty="0" err="1"/>
+              <a:t>Fordítsd</a:t>
+            </a:r>
+            <a:r>
+              <a:rPr lang="en-US" dirty="0"/>
+              <a:t> le </a:t>
+            </a:r>
+            <a:r>
+              <a:rPr lang="en-US" dirty="0" err="1"/>
+              <a:t>az</a:t>
+            </a:r>
+            <a:r>
+              <a:rPr lang="en-US" dirty="0"/>
+              <a:t> Egg </a:t>
+            </a:r>
+            <a:r>
+              <a:rPr lang="en-US" dirty="0" err="1"/>
+              <a:t>projektet</a:t>
+            </a:r>
+            <a:r>
+              <a:rPr lang="en-US" dirty="0"/>
+              <a:t>, ha </a:t>
+            </a:r>
+            <a:r>
+              <a:rPr lang="en-US" dirty="0" err="1"/>
+              <a:t>nem</a:t>
+            </a:r>
+            <a:r>
+              <a:rPr lang="en-US" dirty="0"/>
+              <a:t> </a:t>
+            </a:r>
+            <a:r>
+              <a:rPr lang="en-US" dirty="0" err="1"/>
+              <a:t>fordul</a:t>
+            </a:r>
+            <a:r>
+              <a:rPr lang="en-US" dirty="0"/>
+              <a:t> </a:t>
+            </a:r>
+            <a:r>
+              <a:rPr lang="en-US" dirty="0" err="1"/>
+              <a:t>akkor</a:t>
+            </a:r>
+            <a:r>
+              <a:rPr lang="en-US" dirty="0"/>
+              <a:t> </a:t>
+            </a:r>
+            <a:r>
+              <a:rPr lang="en-US" dirty="0" err="1"/>
+              <a:t>néhány</a:t>
+            </a:r>
+            <a:r>
+              <a:rPr lang="en-US" dirty="0"/>
+              <a:t> </a:t>
+            </a:r>
+            <a:r>
+              <a:rPr lang="en-US" dirty="0" err="1"/>
+              <a:t>lehetséges</a:t>
+            </a:r>
+            <a:r>
+              <a:rPr lang="en-US" dirty="0"/>
+              <a:t> </a:t>
+            </a:r>
+            <a:r>
+              <a:rPr lang="en-US" dirty="0" err="1"/>
+              <a:t>probléma</a:t>
+            </a:r>
+            <a:r>
+              <a:rPr lang="en-US" dirty="0"/>
+              <a:t>:</a:t>
+            </a:r>
+          </a:p>
+          <a:p>
+            <a:r>
+              <a:rPr lang="en-US" dirty="0"/>
               <a:t>Ha </a:t>
             </a:r>
             <a:r>
@@ -8689,71 +8848,15 @@
           <a:p>
             <a:r>
               <a:rPr lang="en-US" dirty="0"/>
-              <a:t>Ha </a:t>
-            </a:r>
-            <a:r>
-              <a:rPr lang="en-US" dirty="0" err="1"/>
-              <a:t>megnyitod</a:t>
-            </a:r>
-            <a:r>
-              <a:rPr lang="en-US" dirty="0"/>
-              <a:t> a Property Manager-t (View / Property Manager) </a:t>
-            </a:r>
-            <a:r>
-              <a:rPr lang="en-US" dirty="0" err="1"/>
-              <a:t>és</a:t>
-            </a:r>
-            <a:r>
-              <a:rPr lang="en-US" dirty="0"/>
-              <a:t> </a:t>
-            </a:r>
-            <a:r>
-              <a:rPr lang="en-US" dirty="0" err="1"/>
-              <a:t>azon</a:t>
-            </a:r>
-            <a:r>
-              <a:rPr lang="en-US" dirty="0"/>
-              <a:t> </a:t>
-            </a:r>
-            <a:r>
-              <a:rPr lang="en-US" dirty="0" err="1"/>
-              <a:t>belül</a:t>
-            </a:r>
-            <a:r>
-              <a:rPr lang="en-US" dirty="0"/>
-              <a:t> ggl003-Assimp / Debug | x64 </a:t>
-            </a:r>
-            <a:r>
-              <a:rPr lang="en-US" dirty="0" err="1"/>
-              <a:t>mappát</a:t>
-            </a:r>
-            <a:r>
-              <a:rPr lang="en-US" dirty="0"/>
-              <a:t> </a:t>
-            </a:r>
-            <a:r>
-              <a:rPr lang="en-US" dirty="0" err="1"/>
-              <a:t>lenyitva</a:t>
-            </a:r>
-            <a:r>
-              <a:rPr lang="en-US" dirty="0"/>
-              <a:t>, </a:t>
-            </a:r>
-            <a:r>
-              <a:rPr lang="en-US" dirty="0" err="1"/>
-              <a:t>jobb</a:t>
-            </a:r>
-            <a:r>
-              <a:rPr lang="en-US" dirty="0"/>
-              <a:t> </a:t>
-            </a:r>
-            <a:r>
-              <a:rPr lang="en-US" dirty="0" err="1"/>
-              <a:t>katt</a:t>
-            </a:r>
-            <a:r>
-              <a:rPr lang="en-US" dirty="0"/>
-              <a:t> </a:t>
+              <a:t>Property manager-ben </a:t>
+            </a:r>
+            <a:r>
+              <a:rPr lang="en-US" dirty="0" err="1"/>
+              <a:t>nyisd</a:t>
+            </a:r>
+            <a:r>
+              <a:rPr lang="en-US" dirty="0"/>
+              <a:t> meg </a:t>
             </a:r>
             <a:r>
               <a:rPr lang="en-US" dirty="0" err="1"/>
@@ -8773,55 +8876,63 @@
             </a:r>
             <a:r>
               <a:rPr lang="en-US" dirty="0" err="1"/>
-              <a:t>elemre</a:t>
-            </a:r>
-            <a:r>
-              <a:rPr lang="en-US" dirty="0"/>
-              <a:t>, Properties. </a:t>
-            </a:r>
-            <a:r>
-              <a:rPr lang="en-US" dirty="0" err="1"/>
-              <a:t>Itt</a:t>
-            </a:r>
-            <a:r>
-              <a:rPr lang="en-US" dirty="0"/>
-              <a:t> a User Macro-</a:t>
-            </a:r>
-            <a:r>
-              <a:rPr lang="en-US" dirty="0" err="1"/>
-              <a:t>snál</a:t>
-            </a:r>
-            <a:r>
-              <a:rPr lang="en-US" dirty="0"/>
-              <a:t> </a:t>
-            </a:r>
-            <a:r>
-              <a:rPr lang="en-US" dirty="0" err="1"/>
-              <a:t>katt</a:t>
-            </a:r>
-            <a:r>
-              <a:rPr lang="en-US" dirty="0"/>
-              <a:t> </a:t>
-            </a:r>
-            <a:r>
-              <a:rPr lang="en-US" dirty="0" err="1"/>
-              <a:t>az</a:t>
-            </a:r>
-            <a:r>
-              <a:rPr lang="en-US" dirty="0"/>
-              <a:t> “Add Macro” </a:t>
-            </a:r>
-            <a:r>
-              <a:rPr lang="en-US" dirty="0" err="1"/>
-              <a:t>gombra</a:t>
-            </a:r>
-            <a:r>
-              <a:rPr lang="en-US" dirty="0"/>
-              <a:t>, </a:t>
-            </a:r>
-            <a:r>
-              <a:rPr lang="en-US" dirty="0" err="1"/>
-              <a:t>ezzel</a:t>
+              <a:t>konfigurációs</a:t>
+            </a:r>
+            <a:r>
+              <a:rPr lang="en-US" dirty="0"/>
+              <a:t> </a:t>
+            </a:r>
+            <a:r>
+              <a:rPr lang="en-US" dirty="0" err="1"/>
+              <a:t>fájlt</a:t>
+            </a:r>
+            <a:r>
+              <a:rPr lang="en-US" dirty="0"/>
+              <a:t> (</a:t>
+            </a:r>
+            <a:r>
+              <a:rPr lang="en-US" dirty="0" err="1"/>
+              <a:t>mindegy</a:t>
+            </a:r>
+            <a:r>
+              <a:rPr lang="en-US" dirty="0"/>
+              <a:t> </a:t>
+            </a:r>
+            <a:r>
+              <a:rPr lang="en-US" dirty="0" err="1"/>
+              <a:t>melyik</a:t>
+            </a:r>
+            <a:r>
+              <a:rPr lang="en-US" dirty="0"/>
+              <a:t> </a:t>
+            </a:r>
+            <a:r>
+              <a:rPr lang="en-US" dirty="0" err="1"/>
+              <a:t>projektnél</a:t>
+            </a:r>
+            <a:r>
+              <a:rPr lang="en-US" dirty="0"/>
+              <a:t>, ggl002-Libraries, ggl003-Assimp), </a:t>
+            </a:r>
+            <a:r>
+              <a:rPr lang="en-US" dirty="0" err="1"/>
+              <a:t>majd</a:t>
+            </a:r>
+            <a:r>
+              <a:rPr lang="en-US" dirty="0"/>
+              <a:t> a User Macros </a:t>
+            </a:r>
+            <a:r>
+              <a:rPr lang="en-US" dirty="0" err="1"/>
+              <a:t>résznél</a:t>
+            </a:r>
+            <a:r>
+              <a:rPr lang="en-US" dirty="0"/>
+              <a:t> adj </a:t>
+            </a:r>
+            <a:r>
+              <a:rPr lang="en-US" dirty="0" err="1"/>
+              <a:t>hozzá</a:t>
             </a:r>
             <a:r>
               <a:rPr lang="en-US" dirty="0"/>
@@ -8837,19 +8948,15 @@
             </a:r>
             <a:r>
               <a:rPr lang="en-US" dirty="0" err="1"/>
-              <a:t>újat</a:t>
-            </a:r>
-            <a:r>
-              <a:rPr lang="en-US" dirty="0"/>
-              <a:t> </a:t>
-            </a:r>
-            <a:r>
-              <a:rPr lang="en-US" dirty="0" err="1"/>
-              <a:t>beszúrva</a:t>
-            </a:r>
-            <a:r>
-              <a:rPr lang="en-US" dirty="0"/>
-              <a:t>:</a:t>
+              <a:t>új</a:t>
+            </a:r>
+            <a:r>
+              <a:rPr lang="en-US" dirty="0"/>
+              <a:t> </a:t>
+            </a:r>
+            <a:r>
+              <a:rPr lang="en-US" dirty="0" err="1"/>
+              <a:t>értéket</a:t>
             </a:r>
             <a:br>
               <a:rPr lang="en-US" dirty="0"/>
@@ -18910,25 +19017,29 @@
         <p:spPr/>
         <p:txBody>
           <a:bodyPr>
-            <a:normAutofit fontScale="92500" lnSpcReduction="20000"/>
+            <a:normAutofit/>
           </a:bodyPr>
           <a:lstStyle/>
           <a:p>
             <a:r>
-              <a:rPr lang="en-US" dirty="0" err="1"/>
-              <a:t>Jobb</a:t>
-            </a:r>
-            <a:r>
-              <a:rPr lang="en-US" dirty="0"/>
-              <a:t> </a:t>
-            </a:r>
-            <a:r>
-              <a:rPr lang="en-US" dirty="0" err="1"/>
-              <a:t>katt</a:t>
-            </a:r>
-            <a:r>
-              <a:rPr lang="en-US" dirty="0"/>
-              <a:t> </a:t>
+              <a:rPr lang="en-US" dirty="0"/>
+              <a:t>Property </a:t>
+            </a:r>
+            <a:r>
+              <a:rPr lang="en-US" dirty="0" err="1"/>
+              <a:t>Managerben</a:t>
+            </a:r>
+            <a:r>
+              <a:rPr lang="en-US" dirty="0"/>
+              <a:t> </a:t>
+            </a:r>
+            <a:r>
+              <a:rPr lang="en-US" dirty="0" err="1"/>
+              <a:t>nyisd</a:t>
+            </a:r>
+            <a:r>
+              <a:rPr lang="en-US" dirty="0"/>
+              <a:t> meg </a:t>
             </a:r>
             <a:r>
               <a:rPr lang="en-US" dirty="0" err="1"/>
@@ -18936,16 +19047,29 @@
             </a:r>
             <a:r>
               <a:rPr lang="en-US" dirty="0"/>
-              <a:t> Egg </a:t>
-            </a:r>
-            <a:r>
-              <a:rPr lang="en-US" dirty="0" err="1"/>
-              <a:t>projektre</a:t>
-            </a:r>
-            <a:r>
-              <a:rPr lang="en-US" dirty="0"/>
-              <a:t>, Properties</a:t>
-            </a:r>
+              <a:t> </a:t>
+            </a:r>
+            <a:r>
+              <a:rPr lang="en-US" dirty="0" err="1"/>
+              <a:t>EggLib</a:t>
+            </a:r>
+            <a:r>
+              <a:rPr lang="en-US" dirty="0"/>
+              <a:t> </a:t>
+            </a:r>
+            <a:r>
+              <a:rPr lang="en-US" dirty="0" err="1"/>
+              <a:t>konfigurációs</a:t>
+            </a:r>
+            <a:r>
+              <a:rPr lang="en-US" dirty="0"/>
+              <a:t> </a:t>
+            </a:r>
+            <a:r>
+              <a:rPr lang="en-US" dirty="0" err="1"/>
+              <a:t>lapot</a:t>
+            </a:r>
+            <a:endParaRPr lang="en-US" dirty="0"/>
           </a:p>
           <a:p>
             <a:r>
@@ -19115,160 +19239,6 @@
             <a:r>
               <a:rPr lang="en-US" dirty="0"/>
               <a:t>: assimp-vc140-mt.lib</a:t>
-            </a:r>
-          </a:p>
-          <a:p>
-            <a:r>
-              <a:rPr lang="en-US" dirty="0" err="1"/>
-              <a:t>Jobb</a:t>
-            </a:r>
-            <a:r>
-              <a:rPr lang="en-US" dirty="0"/>
-              <a:t> </a:t>
-            </a:r>
-            <a:r>
-              <a:rPr lang="en-US" dirty="0" err="1"/>
-              <a:t>katt</a:t>
-            </a:r>
-            <a:r>
-              <a:rPr lang="en-US" dirty="0"/>
-              <a:t> </a:t>
-            </a:r>
-            <a:r>
-              <a:rPr lang="en-US" dirty="0" err="1"/>
-              <a:t>az</a:t>
-            </a:r>
-            <a:r>
-              <a:rPr lang="en-US" dirty="0"/>
-              <a:t> Egg </a:t>
-            </a:r>
-            <a:r>
-              <a:rPr lang="en-US" dirty="0" err="1"/>
-              <a:t>projektre</a:t>
-            </a:r>
-            <a:r>
-              <a:rPr lang="en-US" dirty="0"/>
-              <a:t> </a:t>
-            </a:r>
-            <a:r>
-              <a:rPr lang="en-US" dirty="0" err="1"/>
-              <a:t>majd</a:t>
-            </a:r>
-            <a:r>
-              <a:rPr lang="en-US" dirty="0"/>
-              <a:t> Build, </a:t>
-            </a:r>
-            <a:r>
-              <a:rPr lang="en-US" dirty="0" err="1"/>
-              <a:t>hogy</a:t>
-            </a:r>
-            <a:r>
-              <a:rPr lang="en-US" dirty="0"/>
-              <a:t> </a:t>
-            </a:r>
-            <a:r>
-              <a:rPr lang="en-US" dirty="0" err="1"/>
-              <a:t>ellenőrizd</a:t>
-            </a:r>
-            <a:r>
-              <a:rPr lang="en-US" dirty="0"/>
-              <a:t>, </a:t>
-            </a:r>
-            <a:r>
-              <a:rPr lang="en-US" dirty="0" err="1"/>
-              <a:t>hogy</a:t>
-            </a:r>
-            <a:r>
-              <a:rPr lang="en-US" dirty="0"/>
-              <a:t> </a:t>
-            </a:r>
-            <a:r>
-              <a:rPr lang="en-US" dirty="0" err="1"/>
-              <a:t>fordul</a:t>
-            </a:r>
-            <a:r>
-              <a:rPr lang="en-US" dirty="0"/>
-              <a:t>-e. Ha linker </a:t>
-            </a:r>
-            <a:r>
-              <a:rPr lang="en-US" dirty="0" err="1"/>
-              <a:t>vagy</a:t>
-            </a:r>
-            <a:r>
-              <a:rPr lang="en-US" dirty="0"/>
-              <a:t> include </a:t>
-            </a:r>
-            <a:r>
-              <a:rPr lang="en-US" dirty="0" err="1"/>
-              <a:t>errorokat</a:t>
-            </a:r>
-            <a:r>
-              <a:rPr lang="en-US" dirty="0"/>
-              <a:t> </a:t>
-            </a:r>
-            <a:r>
-              <a:rPr lang="en-US" dirty="0" err="1"/>
-              <a:t>kapsz</a:t>
-            </a:r>
-            <a:r>
-              <a:rPr lang="en-US" dirty="0"/>
-              <a:t> </a:t>
-            </a:r>
-            <a:r>
-              <a:rPr lang="en-US" dirty="0" err="1"/>
-              <a:t>akkor</a:t>
-            </a:r>
-            <a:r>
-              <a:rPr lang="en-US" dirty="0"/>
-              <a:t> </a:t>
-            </a:r>
-            <a:r>
-              <a:rPr lang="en-US" dirty="0" err="1"/>
-              <a:t>ellenőrizd</a:t>
-            </a:r>
-            <a:r>
-              <a:rPr lang="en-US" dirty="0"/>
-              <a:t>, </a:t>
-            </a:r>
-            <a:r>
-              <a:rPr lang="en-US" dirty="0" err="1"/>
-              <a:t>hogy</a:t>
-            </a:r>
-            <a:r>
-              <a:rPr lang="en-US" dirty="0"/>
-              <a:t> </a:t>
-            </a:r>
-            <a:r>
-              <a:rPr lang="en-US" dirty="0" err="1"/>
-              <a:t>az</a:t>
-            </a:r>
-            <a:r>
-              <a:rPr lang="en-US" dirty="0"/>
-              <a:t> </a:t>
-            </a:r>
-            <a:r>
-              <a:rPr lang="en-US" dirty="0" err="1"/>
-              <a:t>útvonalak</a:t>
-            </a:r>
-            <a:r>
-              <a:rPr lang="en-US" dirty="0"/>
-              <a:t> </a:t>
-            </a:r>
-            <a:r>
-              <a:rPr lang="en-US" dirty="0" err="1"/>
-              <a:t>tényleg</a:t>
-            </a:r>
-            <a:r>
-              <a:rPr lang="en-US" dirty="0"/>
-              <a:t> </a:t>
-            </a:r>
-            <a:r>
-              <a:rPr lang="en-US" dirty="0" err="1"/>
-              <a:t>helyesek</a:t>
-            </a:r>
-            <a:r>
-              <a:rPr lang="en-US" dirty="0"/>
-              <a:t>-e. (note)</a:t>
             </a:r>
           </a:p>
         </p:txBody>
